--- a/papers/Case2016/pictures/pdf/CoverPhoto.pptx
+++ b/papers/Case2016/pictures/pdf/CoverPhoto.pptx
@@ -288,7 +288,7 @@
           <a:p>
             <a:fld id="{11760CE0-2B69-B54B-8FC7-76920B86A41F}" type="datetimeFigureOut">
               <a:rPr lang="en-US" smtClean="0"/>
-              <a:t>3/12/16</a:t>
+              <a:t>3/22/16</a:t>
             </a:fld>
             <a:endParaRPr lang="en-US"/>
           </a:p>
@@ -458,7 +458,7 @@
           <a:p>
             <a:fld id="{11760CE0-2B69-B54B-8FC7-76920B86A41F}" type="datetimeFigureOut">
               <a:rPr lang="en-US" smtClean="0"/>
-              <a:t>3/12/16</a:t>
+              <a:t>3/22/16</a:t>
             </a:fld>
             <a:endParaRPr lang="en-US"/>
           </a:p>
@@ -638,7 +638,7 @@
           <a:p>
             <a:fld id="{11760CE0-2B69-B54B-8FC7-76920B86A41F}" type="datetimeFigureOut">
               <a:rPr lang="en-US" smtClean="0"/>
-              <a:t>3/12/16</a:t>
+              <a:t>3/22/16</a:t>
             </a:fld>
             <a:endParaRPr lang="en-US"/>
           </a:p>
@@ -808,7 +808,7 @@
           <a:p>
             <a:fld id="{11760CE0-2B69-B54B-8FC7-76920B86A41F}" type="datetimeFigureOut">
               <a:rPr lang="en-US" smtClean="0"/>
-              <a:t>3/12/16</a:t>
+              <a:t>3/22/16</a:t>
             </a:fld>
             <a:endParaRPr lang="en-US"/>
           </a:p>
@@ -1054,7 +1054,7 @@
           <a:p>
             <a:fld id="{11760CE0-2B69-B54B-8FC7-76920B86A41F}" type="datetimeFigureOut">
               <a:rPr lang="en-US" smtClean="0"/>
-              <a:t>3/12/16</a:t>
+              <a:t>3/22/16</a:t>
             </a:fld>
             <a:endParaRPr lang="en-US"/>
           </a:p>
@@ -1342,7 +1342,7 @@
           <a:p>
             <a:fld id="{11760CE0-2B69-B54B-8FC7-76920B86A41F}" type="datetimeFigureOut">
               <a:rPr lang="en-US" smtClean="0"/>
-              <a:t>3/12/16</a:t>
+              <a:t>3/22/16</a:t>
             </a:fld>
             <a:endParaRPr lang="en-US"/>
           </a:p>
@@ -1769,7 +1769,7 @@
           <a:p>
             <a:fld id="{11760CE0-2B69-B54B-8FC7-76920B86A41F}" type="datetimeFigureOut">
               <a:rPr lang="en-US" smtClean="0"/>
-              <a:t>3/12/16</a:t>
+              <a:t>3/22/16</a:t>
             </a:fld>
             <a:endParaRPr lang="en-US"/>
           </a:p>
@@ -1887,7 +1887,7 @@
           <a:p>
             <a:fld id="{11760CE0-2B69-B54B-8FC7-76920B86A41F}" type="datetimeFigureOut">
               <a:rPr lang="en-US" smtClean="0"/>
-              <a:t>3/12/16</a:t>
+              <a:t>3/22/16</a:t>
             </a:fld>
             <a:endParaRPr lang="en-US"/>
           </a:p>
@@ -1982,7 +1982,7 @@
           <a:p>
             <a:fld id="{11760CE0-2B69-B54B-8FC7-76920B86A41F}" type="datetimeFigureOut">
               <a:rPr lang="en-US" smtClean="0"/>
-              <a:t>3/12/16</a:t>
+              <a:t>3/22/16</a:t>
             </a:fld>
             <a:endParaRPr lang="en-US"/>
           </a:p>
@@ -2259,7 +2259,7 @@
           <a:p>
             <a:fld id="{11760CE0-2B69-B54B-8FC7-76920B86A41F}" type="datetimeFigureOut">
               <a:rPr lang="en-US" smtClean="0"/>
-              <a:t>3/12/16</a:t>
+              <a:t>3/22/16</a:t>
             </a:fld>
             <a:endParaRPr lang="en-US"/>
           </a:p>
@@ -2512,7 +2512,7 @@
           <a:p>
             <a:fld id="{11760CE0-2B69-B54B-8FC7-76920B86A41F}" type="datetimeFigureOut">
               <a:rPr lang="en-US" smtClean="0"/>
-              <a:t>3/12/16</a:t>
+              <a:t>3/22/16</a:t>
             </a:fld>
             <a:endParaRPr lang="en-US"/>
           </a:p>
@@ -2725,7 +2725,7 @@
           <a:p>
             <a:fld id="{11760CE0-2B69-B54B-8FC7-76920B86A41F}" type="datetimeFigureOut">
               <a:rPr lang="en-US" smtClean="0"/>
-              <a:t>3/12/16</a:t>
+              <a:t>3/22/16</a:t>
             </a:fld>
             <a:endParaRPr lang="en-US"/>
           </a:p>
@@ -3109,10 +3109,10 @@
           <p:nvPr/>
         </p:nvPicPr>
         <p:blipFill>
-          <a:blip r:embed="rId2">
+          <a:blip r:embed="rId2" cstate="screen">
             <a:extLst>
               <a:ext uri="{28A0092B-C50C-407E-A947-70E740481C1C}">
-                <a14:useLocalDpi xmlns:a14="http://schemas.microsoft.com/office/drawing/2010/main" val="0"/>
+                <a14:useLocalDpi xmlns:a14="http://schemas.microsoft.com/office/drawing/2010/main"/>
               </a:ext>
             </a:extLst>
           </a:blip>
@@ -3229,15 +3229,7 @@
                   <a:schemeClr val="tx1"/>
                 </a:solidFill>
               </a:rPr>
-              <a:t>Detected </a:t>
-            </a:r>
-            <a:r>
-              <a:rPr lang="en-US" sz="1600" dirty="0" smtClean="0">
-                <a:solidFill>
-                  <a:schemeClr val="tx1"/>
-                </a:solidFill>
-              </a:rPr>
-              <a:t>Robots</a:t>
+              <a:t>Detected Robots</a:t>
             </a:r>
           </a:p>
           <a:p>
@@ -3332,10 +3324,10 @@
           <p:nvPr/>
         </p:nvPicPr>
         <p:blipFill>
-          <a:blip r:embed="rId3">
+          <a:blip r:embed="rId3" cstate="screen">
             <a:extLst>
               <a:ext uri="{28A0092B-C50C-407E-A947-70E740481C1C}">
-                <a14:useLocalDpi xmlns:a14="http://schemas.microsoft.com/office/drawing/2010/main" val="0"/>
+                <a14:useLocalDpi xmlns:a14="http://schemas.microsoft.com/office/drawing/2010/main"/>
               </a:ext>
             </a:extLst>
           </a:blip>
@@ -3545,10 +3537,10 @@
           <p:nvPr/>
         </p:nvPicPr>
         <p:blipFill>
-          <a:blip r:embed="rId4">
+          <a:blip r:embed="rId4" cstate="screen">
             <a:extLst>
               <a:ext uri="{28A0092B-C50C-407E-A947-70E740481C1C}">
-                <a14:useLocalDpi xmlns:a14="http://schemas.microsoft.com/office/drawing/2010/main" val="0"/>
+                <a14:useLocalDpi xmlns:a14="http://schemas.microsoft.com/office/drawing/2010/main"/>
               </a:ext>
             </a:extLst>
           </a:blip>
@@ -3575,10 +3567,10 @@
           <p:nvPr/>
         </p:nvPicPr>
         <p:blipFill>
-          <a:blip r:embed="rId5">
+          <a:blip r:embed="rId5" cstate="screen">
             <a:extLst>
               <a:ext uri="{28A0092B-C50C-407E-A947-70E740481C1C}">
-                <a14:useLocalDpi xmlns:a14="http://schemas.microsoft.com/office/drawing/2010/main" val="0"/>
+                <a14:useLocalDpi xmlns:a14="http://schemas.microsoft.com/office/drawing/2010/main"/>
               </a:ext>
             </a:extLst>
           </a:blip>

--- a/papers/Case2016/pictures/pdf/CoverPhoto.pptx
+++ b/papers/Case2016/pictures/pdf/CoverPhoto.pptx
@@ -288,7 +288,7 @@
           <a:p>
             <a:fld id="{11760CE0-2B69-B54B-8FC7-76920B86A41F}" type="datetimeFigureOut">
               <a:rPr lang="en-US" smtClean="0"/>
-              <a:t>3/22/16</a:t>
+              <a:t>3/27/16</a:t>
             </a:fld>
             <a:endParaRPr lang="en-US"/>
           </a:p>
@@ -458,7 +458,7 @@
           <a:p>
             <a:fld id="{11760CE0-2B69-B54B-8FC7-76920B86A41F}" type="datetimeFigureOut">
               <a:rPr lang="en-US" smtClean="0"/>
-              <a:t>3/22/16</a:t>
+              <a:t>3/27/16</a:t>
             </a:fld>
             <a:endParaRPr lang="en-US"/>
           </a:p>
@@ -638,7 +638,7 @@
           <a:p>
             <a:fld id="{11760CE0-2B69-B54B-8FC7-76920B86A41F}" type="datetimeFigureOut">
               <a:rPr lang="en-US" smtClean="0"/>
-              <a:t>3/22/16</a:t>
+              <a:t>3/27/16</a:t>
             </a:fld>
             <a:endParaRPr lang="en-US"/>
           </a:p>
@@ -808,7 +808,7 @@
           <a:p>
             <a:fld id="{11760CE0-2B69-B54B-8FC7-76920B86A41F}" type="datetimeFigureOut">
               <a:rPr lang="en-US" smtClean="0"/>
-              <a:t>3/22/16</a:t>
+              <a:t>3/27/16</a:t>
             </a:fld>
             <a:endParaRPr lang="en-US"/>
           </a:p>
@@ -1054,7 +1054,7 @@
           <a:p>
             <a:fld id="{11760CE0-2B69-B54B-8FC7-76920B86A41F}" type="datetimeFigureOut">
               <a:rPr lang="en-US" smtClean="0"/>
-              <a:t>3/22/16</a:t>
+              <a:t>3/27/16</a:t>
             </a:fld>
             <a:endParaRPr lang="en-US"/>
           </a:p>
@@ -1342,7 +1342,7 @@
           <a:p>
             <a:fld id="{11760CE0-2B69-B54B-8FC7-76920B86A41F}" type="datetimeFigureOut">
               <a:rPr lang="en-US" smtClean="0"/>
-              <a:t>3/22/16</a:t>
+              <a:t>3/27/16</a:t>
             </a:fld>
             <a:endParaRPr lang="en-US"/>
           </a:p>
@@ -1769,7 +1769,7 @@
           <a:p>
             <a:fld id="{11760CE0-2B69-B54B-8FC7-76920B86A41F}" type="datetimeFigureOut">
               <a:rPr lang="en-US" smtClean="0"/>
-              <a:t>3/22/16</a:t>
+              <a:t>3/27/16</a:t>
             </a:fld>
             <a:endParaRPr lang="en-US"/>
           </a:p>
@@ -1887,7 +1887,7 @@
           <a:p>
             <a:fld id="{11760CE0-2B69-B54B-8FC7-76920B86A41F}" type="datetimeFigureOut">
               <a:rPr lang="en-US" smtClean="0"/>
-              <a:t>3/22/16</a:t>
+              <a:t>3/27/16</a:t>
             </a:fld>
             <a:endParaRPr lang="en-US"/>
           </a:p>
@@ -1982,7 +1982,7 @@
           <a:p>
             <a:fld id="{11760CE0-2B69-B54B-8FC7-76920B86A41F}" type="datetimeFigureOut">
               <a:rPr lang="en-US" smtClean="0"/>
-              <a:t>3/22/16</a:t>
+              <a:t>3/27/16</a:t>
             </a:fld>
             <a:endParaRPr lang="en-US"/>
           </a:p>
@@ -2259,7 +2259,7 @@
           <a:p>
             <a:fld id="{11760CE0-2B69-B54B-8FC7-76920B86A41F}" type="datetimeFigureOut">
               <a:rPr lang="en-US" smtClean="0"/>
-              <a:t>3/22/16</a:t>
+              <a:t>3/27/16</a:t>
             </a:fld>
             <a:endParaRPr lang="en-US"/>
           </a:p>
@@ -2512,7 +2512,7 @@
           <a:p>
             <a:fld id="{11760CE0-2B69-B54B-8FC7-76920B86A41F}" type="datetimeFigureOut">
               <a:rPr lang="en-US" smtClean="0"/>
-              <a:t>3/22/16</a:t>
+              <a:t>3/27/16</a:t>
             </a:fld>
             <a:endParaRPr lang="en-US"/>
           </a:p>
@@ -2725,7 +2725,7 @@
           <a:p>
             <a:fld id="{11760CE0-2B69-B54B-8FC7-76920B86A41F}" type="datetimeFigureOut">
               <a:rPr lang="en-US" smtClean="0"/>
-              <a:t>3/22/16</a:t>
+              <a:t>3/27/16</a:t>
             </a:fld>
             <a:endParaRPr lang="en-US"/>
           </a:p>
@@ -3102,17 +3102,17 @@
       </p:grpSpPr>
       <p:pic>
         <p:nvPicPr>
-          <p:cNvPr id="93" name="Picture 92" descr="Cover3.png"/>
+          <p:cNvPr id="3" name="Picture 2" descr="Orient3.png"/>
           <p:cNvPicPr>
             <a:picLocks noChangeAspect="1"/>
           </p:cNvPicPr>
           <p:nvPr/>
         </p:nvPicPr>
         <p:blipFill>
-          <a:blip r:embed="rId2" cstate="screen">
+          <a:blip r:embed="rId2">
             <a:extLst>
               <a:ext uri="{28A0092B-C50C-407E-A947-70E740481C1C}">
-                <a14:useLocalDpi xmlns:a14="http://schemas.microsoft.com/office/drawing/2010/main"/>
+                <a14:useLocalDpi xmlns:a14="http://schemas.microsoft.com/office/drawing/2010/main" val="0"/>
               </a:ext>
             </a:extLst>
           </a:blip>
@@ -3122,202 +3122,17 @@
         </p:blipFill>
         <p:spPr>
           <a:xfrm>
-            <a:off x="83368" y="2690189"/>
-            <a:ext cx="5403032" cy="4091690"/>
+            <a:off x="2120793" y="105489"/>
+            <a:ext cx="4319036" cy="2430059"/>
           </a:xfrm>
           <a:prstGeom prst="rect">
             <a:avLst/>
           </a:prstGeom>
         </p:spPr>
       </p:pic>
-      <p:sp>
-        <p:nvSpPr>
-          <p:cNvPr id="94" name="Rectangle 93"/>
-          <p:cNvSpPr/>
-          <p:nvPr/>
-        </p:nvSpPr>
-        <p:spPr>
-          <a:xfrm>
-            <a:off x="2618568" y="3652853"/>
-            <a:ext cx="155458" cy="3217674"/>
-          </a:xfrm>
-          <a:prstGeom prst="rect">
-            <a:avLst/>
-          </a:prstGeom>
-          <a:noFill/>
-          <a:ln w="25400">
-            <a:solidFill>
-              <a:srgbClr val="008000"/>
-            </a:solidFill>
-            <a:prstDash val="sysDash"/>
-          </a:ln>
-        </p:spPr>
-        <p:style>
-          <a:lnRef idx="1">
-            <a:schemeClr val="accent1"/>
-          </a:lnRef>
-          <a:fillRef idx="3">
-            <a:schemeClr val="accent1"/>
-          </a:fillRef>
-          <a:effectRef idx="2">
-            <a:schemeClr val="accent1"/>
-          </a:effectRef>
-          <a:fontRef idx="minor">
-            <a:schemeClr val="lt1"/>
-          </a:fontRef>
-        </p:style>
-        <p:txBody>
-          <a:bodyPr rtlCol="0" anchor="ctr"/>
-          <a:lstStyle/>
-          <a:p>
-            <a:pPr algn="ctr"/>
-            <a:endParaRPr lang="en-US"/>
-          </a:p>
-        </p:txBody>
-      </p:sp>
-      <p:sp>
-        <p:nvSpPr>
-          <p:cNvPr id="95" name="Rectangle 94"/>
-          <p:cNvSpPr/>
-          <p:nvPr/>
-        </p:nvSpPr>
-        <p:spPr>
-          <a:xfrm>
-            <a:off x="325412" y="4941456"/>
-            <a:ext cx="2063162" cy="1687484"/>
-          </a:xfrm>
-          <a:prstGeom prst="rect">
-            <a:avLst/>
-          </a:prstGeom>
-          <a:noFill/>
-          <a:ln>
-            <a:solidFill>
-              <a:schemeClr val="accent6">
-                <a:lumMod val="50000"/>
-              </a:schemeClr>
-            </a:solidFill>
-          </a:ln>
-        </p:spPr>
-        <p:style>
-          <a:lnRef idx="1">
-            <a:schemeClr val="accent1"/>
-          </a:lnRef>
-          <a:fillRef idx="3">
-            <a:schemeClr val="accent1"/>
-          </a:fillRef>
-          <a:effectRef idx="2">
-            <a:schemeClr val="accent1"/>
-          </a:effectRef>
-          <a:fontRef idx="minor">
-            <a:schemeClr val="lt1"/>
-          </a:fontRef>
-        </p:style>
-        <p:txBody>
-          <a:bodyPr rtlCol="0" anchor="ctr"/>
-          <a:lstStyle/>
-          <a:p>
-            <a:endParaRPr lang="en-US" sz="2400" dirty="0" smtClean="0">
-              <a:solidFill>
-                <a:schemeClr val="tx1"/>
-              </a:solidFill>
-            </a:endParaRPr>
-          </a:p>
-          <a:p>
-            <a:r>
-              <a:rPr lang="en-US" sz="1600" dirty="0" smtClean="0">
-                <a:solidFill>
-                  <a:schemeClr val="tx1"/>
-                </a:solidFill>
-              </a:rPr>
-              <a:t>Detected Robots</a:t>
-            </a:r>
-          </a:p>
-          <a:p>
-            <a:r>
-              <a:rPr lang="en-US" sz="1600" dirty="0" smtClean="0">
-                <a:solidFill>
-                  <a:schemeClr val="tx1"/>
-                </a:solidFill>
-              </a:rPr>
-              <a:t>Mean Position           </a:t>
-            </a:r>
-            <a:r>
-              <a:rPr lang="en-US" sz="1600" dirty="0" smtClean="0">
-                <a:solidFill>
-                  <a:srgbClr val="FF0000"/>
-                </a:solidFill>
-                <a:latin typeface="ＭＳ ゴシック"/>
-                <a:ea typeface="ＭＳ ゴシック"/>
-                <a:cs typeface="ＭＳ ゴシック"/>
-              </a:rPr>
-              <a:t>+</a:t>
-            </a:r>
-            <a:endParaRPr lang="en-US" sz="1600" dirty="0" smtClean="0">
-              <a:solidFill>
-                <a:srgbClr val="FF0000"/>
-              </a:solidFill>
-            </a:endParaRPr>
-          </a:p>
-          <a:p>
-            <a:r>
-              <a:rPr lang="en-US" sz="1600" dirty="0" smtClean="0">
-                <a:solidFill>
-                  <a:schemeClr val="tx1"/>
-                </a:solidFill>
-              </a:rPr>
-              <a:t>Covariance Ellipse</a:t>
-            </a:r>
-          </a:p>
-          <a:p>
-            <a:r>
-              <a:rPr lang="en-US" sz="1600" dirty="0" smtClean="0">
-                <a:solidFill>
-                  <a:schemeClr val="tx1"/>
-                </a:solidFill>
-              </a:rPr>
-              <a:t>Object</a:t>
-            </a:r>
-          </a:p>
-          <a:p>
-            <a:r>
-              <a:rPr lang="en-US" sz="1600" dirty="0" smtClean="0">
-                <a:solidFill>
-                  <a:schemeClr val="tx1"/>
-                </a:solidFill>
-              </a:rPr>
-              <a:t>Goal</a:t>
-            </a:r>
-          </a:p>
-          <a:p>
-            <a:r>
-              <a:rPr lang="en-US" sz="1600" dirty="0" smtClean="0">
-                <a:solidFill>
-                  <a:schemeClr val="tx1"/>
-                </a:solidFill>
-              </a:rPr>
-              <a:t>Pivot</a:t>
-            </a:r>
-            <a:endParaRPr lang="ar-IQ" sz="1600" dirty="0" smtClean="0">
-              <a:solidFill>
-                <a:schemeClr val="tx1"/>
-              </a:solidFill>
-            </a:endParaRPr>
-          </a:p>
-          <a:p>
-            <a:endParaRPr lang="en-US" sz="1600" dirty="0" smtClean="0">
-              <a:solidFill>
-                <a:schemeClr val="tx1"/>
-              </a:solidFill>
-            </a:endParaRPr>
-          </a:p>
-          <a:p>
-            <a:endParaRPr lang="en-US" sz="1600" dirty="0"/>
-          </a:p>
-        </p:txBody>
-      </p:sp>
       <p:pic>
         <p:nvPicPr>
-          <p:cNvPr id="96" name="Picture 95" descr="Robot.png"/>
+          <p:cNvPr id="93" name="Picture 92" descr="Cover3.png"/>
           <p:cNvPicPr>
             <a:picLocks noChangeAspect="1"/>
           </p:cNvPicPr>
@@ -3337,8 +3152,8 @@
         </p:blipFill>
         <p:spPr>
           <a:xfrm>
-            <a:off x="2063173" y="5064775"/>
-            <a:ext cx="156226" cy="176255"/>
+            <a:off x="83368" y="2690189"/>
+            <a:ext cx="5403032" cy="4091690"/>
           </a:xfrm>
           <a:prstGeom prst="rect">
             <a:avLst/>
@@ -3347,25 +3162,24 @@
       </p:pic>
       <p:sp>
         <p:nvSpPr>
-          <p:cNvPr id="97" name="Rectangle 96"/>
+          <p:cNvPr id="94" name="Rectangle 93"/>
           <p:cNvSpPr/>
           <p:nvPr/>
         </p:nvSpPr>
         <p:spPr>
           <a:xfrm>
-            <a:off x="1977217" y="5787911"/>
-            <a:ext cx="370706" cy="119593"/>
+            <a:off x="2618568" y="3652853"/>
+            <a:ext cx="155458" cy="3217674"/>
           </a:xfrm>
           <a:prstGeom prst="rect">
             <a:avLst/>
           </a:prstGeom>
-          <a:solidFill>
-            <a:srgbClr val="BB277E"/>
-          </a:solidFill>
-          <a:ln>
+          <a:noFill/>
+          <a:ln w="25400">
             <a:solidFill>
-              <a:srgbClr val="BB277E"/>
+              <a:srgbClr val="008000"/>
             </a:solidFill>
+            <a:prstDash val="sysDash"/>
           </a:ln>
         </p:spPr>
         <p:style>
@@ -3393,24 +3207,25 @@
       </p:sp>
       <p:sp>
         <p:nvSpPr>
-          <p:cNvPr id="99" name="Rectangle 98"/>
+          <p:cNvPr id="95" name="Rectangle 94"/>
           <p:cNvSpPr/>
           <p:nvPr/>
         </p:nvSpPr>
         <p:spPr>
           <a:xfrm>
-            <a:off x="45006" y="2738576"/>
-            <a:ext cx="5426938" cy="4062358"/>
+            <a:off x="325412" y="4941456"/>
+            <a:ext cx="2063162" cy="1687484"/>
           </a:xfrm>
           <a:prstGeom prst="rect">
             <a:avLst/>
           </a:prstGeom>
           <a:noFill/>
-          <a:ln w="152400" cmpd="sng">
+          <a:ln>
             <a:solidFill>
-              <a:srgbClr val="F9017A"/>
+              <a:schemeClr val="accent6">
+                <a:lumMod val="50000"/>
+              </a:schemeClr>
             </a:solidFill>
-            <a:miter lim="800000"/>
           </a:ln>
         </p:spPr>
         <p:style>
@@ -3431,106 +3246,108 @@
           <a:bodyPr rtlCol="0" anchor="ctr"/>
           <a:lstStyle/>
           <a:p>
-            <a:pPr algn="ctr"/>
-            <a:endParaRPr lang="en-US"/>
-          </a:p>
-        </p:txBody>
-      </p:sp>
-      <p:sp>
-        <p:nvSpPr>
-          <p:cNvPr id="100" name="Oval 99"/>
-          <p:cNvSpPr>
-            <a:spLocks noChangeAspect="1"/>
-          </p:cNvSpPr>
-          <p:nvPr/>
-        </p:nvSpPr>
-        <p:spPr>
-          <a:xfrm>
-            <a:off x="2644488" y="6751824"/>
-            <a:ext cx="91440" cy="91440"/>
-          </a:xfrm>
-          <a:prstGeom prst="ellipse">
-            <a:avLst/>
-          </a:prstGeom>
-          <a:solidFill>
-            <a:srgbClr val="FF0000"/>
-          </a:solidFill>
-          <a:ln>
-            <a:solidFill>
-              <a:schemeClr val="tx1"/>
-            </a:solidFill>
-          </a:ln>
-        </p:spPr>
-        <p:style>
-          <a:lnRef idx="1">
-            <a:schemeClr val="accent1"/>
-          </a:lnRef>
-          <a:fillRef idx="3">
-            <a:schemeClr val="accent1"/>
-          </a:fillRef>
-          <a:effectRef idx="2">
-            <a:schemeClr val="accent1"/>
-          </a:effectRef>
-          <a:fontRef idx="minor">
-            <a:schemeClr val="lt1"/>
-          </a:fontRef>
-        </p:style>
-        <p:txBody>
-          <a:bodyPr rtlCol="0" anchor="ctr"/>
-          <a:lstStyle/>
-          <a:p>
-            <a:pPr algn="ctr"/>
-            <a:endParaRPr lang="en-US"/>
-          </a:p>
-        </p:txBody>
-      </p:sp>
-      <p:sp>
-        <p:nvSpPr>
-          <p:cNvPr id="101" name="Oval 100"/>
-          <p:cNvSpPr/>
-          <p:nvPr/>
-        </p:nvSpPr>
-        <p:spPr>
-          <a:xfrm>
-            <a:off x="2001817" y="5566787"/>
-            <a:ext cx="341579" cy="108729"/>
-          </a:xfrm>
-          <a:prstGeom prst="ellipse">
-            <a:avLst/>
-          </a:prstGeom>
-          <a:noFill/>
-          <a:ln>
-            <a:solidFill>
-              <a:srgbClr val="FF0000"/>
-            </a:solidFill>
-          </a:ln>
-        </p:spPr>
-        <p:style>
-          <a:lnRef idx="1">
-            <a:schemeClr val="accent1"/>
-          </a:lnRef>
-          <a:fillRef idx="3">
-            <a:schemeClr val="accent1"/>
-          </a:fillRef>
-          <a:effectRef idx="2">
-            <a:schemeClr val="accent1"/>
-          </a:effectRef>
-          <a:fontRef idx="minor">
-            <a:schemeClr val="lt1"/>
-          </a:fontRef>
-        </p:style>
-        <p:txBody>
-          <a:bodyPr rtlCol="0" anchor="ctr"/>
-          <a:lstStyle/>
-          <a:p>
-            <a:pPr algn="ctr"/>
-            <a:endParaRPr lang="en-US"/>
+            <a:endParaRPr lang="en-US" sz="2400" dirty="0" smtClean="0">
+              <a:solidFill>
+                <a:schemeClr val="tx1"/>
+              </a:solidFill>
+            </a:endParaRPr>
+          </a:p>
+          <a:p>
+            <a:r>
+              <a:rPr lang="en-US" sz="1600" dirty="0" smtClean="0">
+                <a:solidFill>
+                  <a:schemeClr val="tx1"/>
+                </a:solidFill>
+              </a:rPr>
+              <a:t>Detected Robots</a:t>
+            </a:r>
+          </a:p>
+          <a:p>
+            <a:r>
+              <a:rPr lang="en-US" sz="1600" dirty="0" smtClean="0">
+                <a:solidFill>
+                  <a:schemeClr val="tx1"/>
+                </a:solidFill>
+              </a:rPr>
+              <a:t>Mean Position           </a:t>
+            </a:r>
+            <a:r>
+              <a:rPr lang="en-US" sz="1600" dirty="0" smtClean="0">
+                <a:solidFill>
+                  <a:srgbClr val="FF0000"/>
+                </a:solidFill>
+                <a:latin typeface="ＭＳ ゴシック"/>
+                <a:ea typeface="ＭＳ ゴシック"/>
+                <a:cs typeface="ＭＳ ゴシック"/>
+              </a:rPr>
+              <a:t>+</a:t>
+            </a:r>
+            <a:endParaRPr lang="en-US" sz="1600" dirty="0" smtClean="0">
+              <a:solidFill>
+                <a:srgbClr val="FF0000"/>
+              </a:solidFill>
+            </a:endParaRPr>
+          </a:p>
+          <a:p>
+            <a:r>
+              <a:rPr lang="en-US" sz="1600" dirty="0" smtClean="0">
+                <a:solidFill>
+                  <a:schemeClr val="tx1"/>
+                </a:solidFill>
+              </a:rPr>
+              <a:t>Covariance Ellipse</a:t>
+            </a:r>
+          </a:p>
+          <a:p>
+            <a:r>
+              <a:rPr lang="en-US" sz="1600" dirty="0" smtClean="0">
+                <a:solidFill>
+                  <a:schemeClr val="tx1"/>
+                </a:solidFill>
+              </a:rPr>
+              <a:t>Object</a:t>
+            </a:r>
+          </a:p>
+          <a:p>
+            <a:r>
+              <a:rPr lang="en-US" sz="1600" dirty="0" smtClean="0">
+                <a:solidFill>
+                  <a:schemeClr val="tx1"/>
+                </a:solidFill>
+              </a:rPr>
+              <a:t>Goal</a:t>
+            </a:r>
+          </a:p>
+          <a:p>
+            <a:r>
+              <a:rPr lang="en-US" sz="1600" dirty="0" smtClean="0">
+                <a:solidFill>
+                  <a:schemeClr val="tx1"/>
+                </a:solidFill>
+              </a:rPr>
+              <a:t>Pivot</a:t>
+            </a:r>
+            <a:endParaRPr lang="ar-IQ" sz="1600" dirty="0" smtClean="0">
+              <a:solidFill>
+                <a:schemeClr val="tx1"/>
+              </a:solidFill>
+            </a:endParaRPr>
+          </a:p>
+          <a:p>
+            <a:endParaRPr lang="en-US" sz="1600" dirty="0" smtClean="0">
+              <a:solidFill>
+                <a:schemeClr val="tx1"/>
+              </a:solidFill>
+            </a:endParaRPr>
+          </a:p>
+          <a:p>
+            <a:endParaRPr lang="en-US" sz="1600" dirty="0"/>
           </a:p>
         </p:txBody>
       </p:sp>
       <p:pic>
         <p:nvPicPr>
-          <p:cNvPr id="46" name="Picture 45" descr="Stright2.png"/>
+          <p:cNvPr id="96" name="Picture 95" descr="Robot.png"/>
           <p:cNvPicPr>
             <a:picLocks noChangeAspect="1"/>
           </p:cNvPicPr>
@@ -3550,17 +3367,200 @@
         </p:blipFill>
         <p:spPr>
           <a:xfrm>
-            <a:off x="-37289" y="105489"/>
-            <a:ext cx="1992462" cy="2465918"/>
+            <a:off x="2063173" y="5064775"/>
+            <a:ext cx="156226" cy="176255"/>
           </a:xfrm>
           <a:prstGeom prst="rect">
             <a:avLst/>
           </a:prstGeom>
         </p:spPr>
       </p:pic>
+      <p:sp>
+        <p:nvSpPr>
+          <p:cNvPr id="97" name="Rectangle 96"/>
+          <p:cNvSpPr/>
+          <p:nvPr/>
+        </p:nvSpPr>
+        <p:spPr>
+          <a:xfrm>
+            <a:off x="1977217" y="5787911"/>
+            <a:ext cx="370706" cy="119593"/>
+          </a:xfrm>
+          <a:prstGeom prst="rect">
+            <a:avLst/>
+          </a:prstGeom>
+          <a:solidFill>
+            <a:srgbClr val="BB277E"/>
+          </a:solidFill>
+          <a:ln>
+            <a:solidFill>
+              <a:srgbClr val="BB277E"/>
+            </a:solidFill>
+          </a:ln>
+        </p:spPr>
+        <p:style>
+          <a:lnRef idx="1">
+            <a:schemeClr val="accent1"/>
+          </a:lnRef>
+          <a:fillRef idx="3">
+            <a:schemeClr val="accent1"/>
+          </a:fillRef>
+          <a:effectRef idx="2">
+            <a:schemeClr val="accent1"/>
+          </a:effectRef>
+          <a:fontRef idx="minor">
+            <a:schemeClr val="lt1"/>
+          </a:fontRef>
+        </p:style>
+        <p:txBody>
+          <a:bodyPr rtlCol="0" anchor="ctr"/>
+          <a:lstStyle/>
+          <a:p>
+            <a:pPr algn="ctr"/>
+            <a:endParaRPr lang="en-US"/>
+          </a:p>
+        </p:txBody>
+      </p:sp>
+      <p:sp>
+        <p:nvSpPr>
+          <p:cNvPr id="99" name="Rectangle 98"/>
+          <p:cNvSpPr/>
+          <p:nvPr/>
+        </p:nvSpPr>
+        <p:spPr>
+          <a:xfrm>
+            <a:off x="45006" y="2738576"/>
+            <a:ext cx="5426938" cy="4062358"/>
+          </a:xfrm>
+          <a:prstGeom prst="rect">
+            <a:avLst/>
+          </a:prstGeom>
+          <a:noFill/>
+          <a:ln w="152400" cmpd="sng">
+            <a:solidFill>
+              <a:srgbClr val="F9017A"/>
+            </a:solidFill>
+            <a:miter lim="800000"/>
+          </a:ln>
+        </p:spPr>
+        <p:style>
+          <a:lnRef idx="1">
+            <a:schemeClr val="accent1"/>
+          </a:lnRef>
+          <a:fillRef idx="3">
+            <a:schemeClr val="accent1"/>
+          </a:fillRef>
+          <a:effectRef idx="2">
+            <a:schemeClr val="accent1"/>
+          </a:effectRef>
+          <a:fontRef idx="minor">
+            <a:schemeClr val="lt1"/>
+          </a:fontRef>
+        </p:style>
+        <p:txBody>
+          <a:bodyPr rtlCol="0" anchor="ctr"/>
+          <a:lstStyle/>
+          <a:p>
+            <a:pPr algn="ctr"/>
+            <a:endParaRPr lang="en-US"/>
+          </a:p>
+        </p:txBody>
+      </p:sp>
+      <p:sp>
+        <p:nvSpPr>
+          <p:cNvPr id="100" name="Oval 99"/>
+          <p:cNvSpPr>
+            <a:spLocks noChangeAspect="1"/>
+          </p:cNvSpPr>
+          <p:nvPr/>
+        </p:nvSpPr>
+        <p:spPr>
+          <a:xfrm>
+            <a:off x="2644488" y="6751824"/>
+            <a:ext cx="91440" cy="91440"/>
+          </a:xfrm>
+          <a:prstGeom prst="ellipse">
+            <a:avLst/>
+          </a:prstGeom>
+          <a:solidFill>
+            <a:srgbClr val="FF0000"/>
+          </a:solidFill>
+          <a:ln>
+            <a:solidFill>
+              <a:schemeClr val="tx1"/>
+            </a:solidFill>
+          </a:ln>
+        </p:spPr>
+        <p:style>
+          <a:lnRef idx="1">
+            <a:schemeClr val="accent1"/>
+          </a:lnRef>
+          <a:fillRef idx="3">
+            <a:schemeClr val="accent1"/>
+          </a:fillRef>
+          <a:effectRef idx="2">
+            <a:schemeClr val="accent1"/>
+          </a:effectRef>
+          <a:fontRef idx="minor">
+            <a:schemeClr val="lt1"/>
+          </a:fontRef>
+        </p:style>
+        <p:txBody>
+          <a:bodyPr rtlCol="0" anchor="ctr"/>
+          <a:lstStyle/>
+          <a:p>
+            <a:pPr algn="ctr"/>
+            <a:endParaRPr lang="en-US"/>
+          </a:p>
+        </p:txBody>
+      </p:sp>
+      <p:sp>
+        <p:nvSpPr>
+          <p:cNvPr id="101" name="Oval 100"/>
+          <p:cNvSpPr/>
+          <p:nvPr/>
+        </p:nvSpPr>
+        <p:spPr>
+          <a:xfrm>
+            <a:off x="2001817" y="5566787"/>
+            <a:ext cx="341579" cy="108729"/>
+          </a:xfrm>
+          <a:prstGeom prst="ellipse">
+            <a:avLst/>
+          </a:prstGeom>
+          <a:noFill/>
+          <a:ln>
+            <a:solidFill>
+              <a:srgbClr val="FF0000"/>
+            </a:solidFill>
+          </a:ln>
+        </p:spPr>
+        <p:style>
+          <a:lnRef idx="1">
+            <a:schemeClr val="accent1"/>
+          </a:lnRef>
+          <a:fillRef idx="3">
+            <a:schemeClr val="accent1"/>
+          </a:fillRef>
+          <a:effectRef idx="2">
+            <a:schemeClr val="accent1"/>
+          </a:effectRef>
+          <a:fontRef idx="minor">
+            <a:schemeClr val="lt1"/>
+          </a:fontRef>
+        </p:style>
+        <p:txBody>
+          <a:bodyPr rtlCol="0" anchor="ctr"/>
+          <a:lstStyle/>
+          <a:p>
+            <a:pPr algn="ctr"/>
+            <a:endParaRPr lang="en-US"/>
+          </a:p>
+        </p:txBody>
+      </p:sp>
       <p:pic>
         <p:nvPicPr>
-          <p:cNvPr id="48" name="Picture 47" descr="Orient2.png"/>
+          <p:cNvPr id="46" name="Picture 45" descr="Stright2.png"/>
           <p:cNvPicPr>
             <a:picLocks noChangeAspect="1"/>
           </p:cNvPicPr>
@@ -3580,8 +3580,8 @@
         </p:blipFill>
         <p:spPr>
           <a:xfrm>
-            <a:off x="2073705" y="132282"/>
-            <a:ext cx="4597625" cy="2425451"/>
+            <a:off x="-37289" y="105489"/>
+            <a:ext cx="1992462" cy="2465918"/>
           </a:xfrm>
           <a:prstGeom prst="rect">
             <a:avLst/>
@@ -3989,7 +3989,7 @@
         <p:spPr>
           <a:xfrm>
             <a:off x="2891371" y="936218"/>
-            <a:ext cx="478362" cy="0"/>
+            <a:ext cx="148162" cy="0"/>
           </a:xfrm>
           <a:prstGeom prst="straightConnector1">
             <a:avLst/>
@@ -4086,8 +4086,8 @@
         </p:nvCxnSpPr>
         <p:spPr>
           <a:xfrm flipH="1">
-            <a:off x="4128753" y="947260"/>
-            <a:ext cx="505600" cy="0"/>
+            <a:off x="4017395" y="947260"/>
+            <a:ext cx="616958" cy="0"/>
           </a:xfrm>
           <a:prstGeom prst="straightConnector1">
             <a:avLst/>
@@ -4124,7 +4124,7 @@
         </p:nvSpPr>
         <p:spPr>
           <a:xfrm>
-            <a:off x="4388509" y="993082"/>
+            <a:off x="4388509" y="1247032"/>
             <a:ext cx="1553968" cy="369332"/>
           </a:xfrm>
           <a:prstGeom prst="rect">
@@ -4156,8 +4156,8 @@
         </p:nvCxnSpPr>
         <p:spPr>
           <a:xfrm flipH="1" flipV="1">
-            <a:off x="4048891" y="1122865"/>
-            <a:ext cx="339618" cy="54883"/>
+            <a:off x="3756389" y="1423673"/>
+            <a:ext cx="632120" cy="8025"/>
           </a:xfrm>
           <a:prstGeom prst="straightConnector1">
             <a:avLst/>
@@ -4230,8 +4230,8 @@
         </p:nvCxnSpPr>
         <p:spPr>
           <a:xfrm flipV="1">
-            <a:off x="3039533" y="592667"/>
-            <a:ext cx="639876" cy="831006"/>
+            <a:off x="3039533" y="1106585"/>
+            <a:ext cx="240303" cy="317088"/>
           </a:xfrm>
           <a:prstGeom prst="straightConnector1">
             <a:avLst/>
@@ -4268,7 +4268,7 @@
         </p:nvSpPr>
         <p:spPr>
           <a:xfrm>
-            <a:off x="2557923" y="128964"/>
+            <a:off x="2557923" y="167449"/>
             <a:ext cx="1198466" cy="646331"/>
           </a:xfrm>
           <a:prstGeom prst="rect">
@@ -4337,13 +4337,15 @@
       <p:cxnSp>
         <p:nvCxnSpPr>
           <p:cNvPr id="88" name="Straight Arrow Connector 87"/>
-          <p:cNvCxnSpPr/>
+          <p:cNvCxnSpPr>
+            <a:stCxn id="91" idx="1"/>
+          </p:cNvCxnSpPr>
           <p:nvPr/>
         </p:nvCxnSpPr>
         <p:spPr>
           <a:xfrm flipH="1" flipV="1">
-            <a:off x="3995008" y="1616364"/>
-            <a:ext cx="254017" cy="230910"/>
+            <a:off x="3624891" y="1771066"/>
+            <a:ext cx="232478" cy="323166"/>
           </a:xfrm>
           <a:prstGeom prst="straightConnector1">
             <a:avLst/>
@@ -4380,7 +4382,7 @@
         </p:nvSpPr>
         <p:spPr>
           <a:xfrm>
-            <a:off x="4249025" y="1752916"/>
+            <a:off x="3857369" y="1771066"/>
             <a:ext cx="1553968" cy="646331"/>
           </a:xfrm>
           <a:prstGeom prst="rect">

--- a/papers/Case2016/pictures/pdf/CoverPhoto.pptx
+++ b/papers/Case2016/pictures/pdf/CoverPhoto.pptx
@@ -3109,10 +3109,10 @@
           <p:nvPr/>
         </p:nvPicPr>
         <p:blipFill>
-          <a:blip r:embed="rId2">
+          <a:blip r:embed="rId2" cstate="email">
             <a:extLst>
               <a:ext uri="{28A0092B-C50C-407E-A947-70E740481C1C}">
-                <a14:useLocalDpi xmlns:a14="http://schemas.microsoft.com/office/drawing/2010/main" val="0"/>
+                <a14:useLocalDpi xmlns:a14="http://schemas.microsoft.com/office/drawing/2010/main"/>
               </a:ext>
             </a:extLst>
           </a:blip>
@@ -3139,7 +3139,7 @@
           <p:nvPr/>
         </p:nvPicPr>
         <p:blipFill>
-          <a:blip r:embed="rId3" cstate="screen">
+          <a:blip r:embed="rId3" cstate="email">
             <a:extLst>
               <a:ext uri="{28A0092B-C50C-407E-A947-70E740481C1C}">
                 <a14:useLocalDpi xmlns:a14="http://schemas.microsoft.com/office/drawing/2010/main"/>
@@ -3354,7 +3354,7 @@
           <p:nvPr/>
         </p:nvPicPr>
         <p:blipFill>
-          <a:blip r:embed="rId4" cstate="screen">
+          <a:blip r:embed="rId4" cstate="email">
             <a:extLst>
               <a:ext uri="{28A0092B-C50C-407E-A947-70E740481C1C}">
                 <a14:useLocalDpi xmlns:a14="http://schemas.microsoft.com/office/drawing/2010/main"/>
@@ -3567,7 +3567,7 @@
           <p:nvPr/>
         </p:nvPicPr>
         <p:blipFill>
-          <a:blip r:embed="rId5" cstate="screen">
+          <a:blip r:embed="rId5" cstate="email">
             <a:extLst>
               <a:ext uri="{28A0092B-C50C-407E-A947-70E740481C1C}">
                 <a14:useLocalDpi xmlns:a14="http://schemas.microsoft.com/office/drawing/2010/main"/>

--- a/papers/Case2016/pictures/pdf/CoverPhoto.pptx
+++ b/papers/Case2016/pictures/pdf/CoverPhoto.pptx
@@ -6,6 +6,7 @@
   </p:sldMasterIdLst>
   <p:sldIdLst>
     <p:sldId id="256" r:id="rId2"/>
+    <p:sldId id="257" r:id="rId3"/>
   </p:sldIdLst>
   <p:sldSz cx="5486400" cy="6858000"/>
   <p:notesSz cx="6858000" cy="9144000"/>
@@ -4507,6 +4508,1168 @@
   <p:clrMapOvr>
     <a:masterClrMapping/>
   </p:clrMapOvr>
+  <p:timing>
+    <p:tnLst>
+      <p:par>
+        <p:cTn xmlns:p14="http://schemas.microsoft.com/office/powerpoint/2010/main" id="1" dur="indefinite" restart="never" nodeType="tmRoot"/>
+      </p:par>
+    </p:tnLst>
+  </p:timing>
+</p:sld>
+</file>
+
+<file path=ppt/slides/slide2.xml><?xml version="1.0" encoding="utf-8"?>
+<p:sld xmlns:a="http://schemas.openxmlformats.org/drawingml/2006/main" xmlns:r="http://schemas.openxmlformats.org/officeDocument/2006/relationships" xmlns:p="http://schemas.openxmlformats.org/presentationml/2006/main">
+  <p:cSld>
+    <p:spTree>
+      <p:nvGrpSpPr>
+        <p:cNvPr id="1" name=""/>
+        <p:cNvGrpSpPr/>
+        <p:nvPr/>
+      </p:nvGrpSpPr>
+      <p:grpSpPr>
+        <a:xfrm>
+          <a:off x="0" y="0"/>
+          <a:ext cx="0" cy="0"/>
+          <a:chOff x="0" y="0"/>
+          <a:chExt cx="0" cy="0"/>
+        </a:xfrm>
+      </p:grpSpPr>
+      <p:pic>
+        <p:nvPicPr>
+          <p:cNvPr id="3" name="Picture 2" descr="Orient3.png"/>
+          <p:cNvPicPr>
+            <a:picLocks noChangeAspect="1"/>
+          </p:cNvPicPr>
+          <p:nvPr/>
+        </p:nvPicPr>
+        <p:blipFill>
+          <a:blip r:embed="rId2" cstate="email">
+            <a:extLst>
+              <a:ext uri="{28A0092B-C50C-407E-A947-70E740481C1C}">
+                <a14:useLocalDpi xmlns:a14="http://schemas.microsoft.com/office/drawing/2010/main"/>
+              </a:ext>
+            </a:extLst>
+          </a:blip>
+          <a:stretch>
+            <a:fillRect/>
+          </a:stretch>
+        </p:blipFill>
+        <p:spPr>
+          <a:xfrm>
+            <a:off x="-2922721" y="-610312"/>
+            <a:ext cx="5658649" cy="3183778"/>
+          </a:xfrm>
+          <a:prstGeom prst="rect">
+            <a:avLst/>
+          </a:prstGeom>
+        </p:spPr>
+      </p:pic>
+      <p:sp>
+        <p:nvSpPr>
+          <p:cNvPr id="94" name="Rectangle 93"/>
+          <p:cNvSpPr/>
+          <p:nvPr/>
+        </p:nvSpPr>
+        <p:spPr>
+          <a:xfrm>
+            <a:off x="2618568" y="3652853"/>
+            <a:ext cx="155458" cy="3217674"/>
+          </a:xfrm>
+          <a:prstGeom prst="rect">
+            <a:avLst/>
+          </a:prstGeom>
+          <a:noFill/>
+          <a:ln w="25400">
+            <a:solidFill>
+              <a:srgbClr val="008000"/>
+            </a:solidFill>
+            <a:prstDash val="sysDash"/>
+          </a:ln>
+        </p:spPr>
+        <p:style>
+          <a:lnRef idx="1">
+            <a:schemeClr val="accent1"/>
+          </a:lnRef>
+          <a:fillRef idx="3">
+            <a:schemeClr val="accent1"/>
+          </a:fillRef>
+          <a:effectRef idx="2">
+            <a:schemeClr val="accent1"/>
+          </a:effectRef>
+          <a:fontRef idx="minor">
+            <a:schemeClr val="lt1"/>
+          </a:fontRef>
+        </p:style>
+        <p:txBody>
+          <a:bodyPr rtlCol="0" anchor="ctr"/>
+          <a:lstStyle/>
+          <a:p>
+            <a:pPr algn="ctr"/>
+            <a:endParaRPr lang="en-US"/>
+          </a:p>
+        </p:txBody>
+      </p:sp>
+      <p:sp>
+        <p:nvSpPr>
+          <p:cNvPr id="95" name="Rectangle 94"/>
+          <p:cNvSpPr/>
+          <p:nvPr/>
+        </p:nvSpPr>
+        <p:spPr>
+          <a:xfrm>
+            <a:off x="325412" y="4941456"/>
+            <a:ext cx="2063162" cy="1687484"/>
+          </a:xfrm>
+          <a:prstGeom prst="rect">
+            <a:avLst/>
+          </a:prstGeom>
+          <a:noFill/>
+          <a:ln>
+            <a:solidFill>
+              <a:schemeClr val="accent6">
+                <a:lumMod val="50000"/>
+              </a:schemeClr>
+            </a:solidFill>
+          </a:ln>
+        </p:spPr>
+        <p:style>
+          <a:lnRef idx="1">
+            <a:schemeClr val="accent1"/>
+          </a:lnRef>
+          <a:fillRef idx="3">
+            <a:schemeClr val="accent1"/>
+          </a:fillRef>
+          <a:effectRef idx="2">
+            <a:schemeClr val="accent1"/>
+          </a:effectRef>
+          <a:fontRef idx="minor">
+            <a:schemeClr val="lt1"/>
+          </a:fontRef>
+        </p:style>
+        <p:txBody>
+          <a:bodyPr rtlCol="0" anchor="ctr"/>
+          <a:lstStyle/>
+          <a:p>
+            <a:endParaRPr lang="en-US" sz="2400" dirty="0" smtClean="0">
+              <a:solidFill>
+                <a:schemeClr val="tx1"/>
+              </a:solidFill>
+            </a:endParaRPr>
+          </a:p>
+          <a:p>
+            <a:r>
+              <a:rPr lang="en-US" sz="1600" dirty="0" smtClean="0">
+                <a:solidFill>
+                  <a:schemeClr val="tx1"/>
+                </a:solidFill>
+              </a:rPr>
+              <a:t>Detected Robots</a:t>
+            </a:r>
+          </a:p>
+          <a:p>
+            <a:r>
+              <a:rPr lang="en-US" sz="1600" dirty="0" smtClean="0">
+                <a:solidFill>
+                  <a:schemeClr val="tx1"/>
+                </a:solidFill>
+              </a:rPr>
+              <a:t>Mean Position           </a:t>
+            </a:r>
+            <a:r>
+              <a:rPr lang="en-US" sz="1600" dirty="0" smtClean="0">
+                <a:solidFill>
+                  <a:srgbClr val="FF0000"/>
+                </a:solidFill>
+                <a:latin typeface="ＭＳ ゴシック"/>
+                <a:ea typeface="ＭＳ ゴシック"/>
+                <a:cs typeface="ＭＳ ゴシック"/>
+              </a:rPr>
+              <a:t>+</a:t>
+            </a:r>
+            <a:endParaRPr lang="en-US" sz="1600" dirty="0" smtClean="0">
+              <a:solidFill>
+                <a:srgbClr val="FF0000"/>
+              </a:solidFill>
+            </a:endParaRPr>
+          </a:p>
+          <a:p>
+            <a:r>
+              <a:rPr lang="en-US" sz="1600" dirty="0" smtClean="0">
+                <a:solidFill>
+                  <a:schemeClr val="tx1"/>
+                </a:solidFill>
+              </a:rPr>
+              <a:t>Covariance Ellipse</a:t>
+            </a:r>
+          </a:p>
+          <a:p>
+            <a:r>
+              <a:rPr lang="en-US" sz="1600" dirty="0" smtClean="0">
+                <a:solidFill>
+                  <a:schemeClr val="tx1"/>
+                </a:solidFill>
+              </a:rPr>
+              <a:t>Object</a:t>
+            </a:r>
+          </a:p>
+          <a:p>
+            <a:r>
+              <a:rPr lang="en-US" sz="1600" dirty="0" smtClean="0">
+                <a:solidFill>
+                  <a:schemeClr val="tx1"/>
+                </a:solidFill>
+              </a:rPr>
+              <a:t>Goal</a:t>
+            </a:r>
+          </a:p>
+          <a:p>
+            <a:r>
+              <a:rPr lang="en-US" sz="1600" dirty="0" smtClean="0">
+                <a:solidFill>
+                  <a:schemeClr val="tx1"/>
+                </a:solidFill>
+              </a:rPr>
+              <a:t>Pivot</a:t>
+            </a:r>
+            <a:endParaRPr lang="ar-IQ" sz="1600" dirty="0" smtClean="0">
+              <a:solidFill>
+                <a:schemeClr val="tx1"/>
+              </a:solidFill>
+            </a:endParaRPr>
+          </a:p>
+          <a:p>
+            <a:endParaRPr lang="en-US" sz="1600" dirty="0" smtClean="0">
+              <a:solidFill>
+                <a:schemeClr val="tx1"/>
+              </a:solidFill>
+            </a:endParaRPr>
+          </a:p>
+          <a:p>
+            <a:endParaRPr lang="en-US" sz="1600" dirty="0"/>
+          </a:p>
+        </p:txBody>
+      </p:sp>
+      <p:pic>
+        <p:nvPicPr>
+          <p:cNvPr id="96" name="Picture 95" descr="Robot.png"/>
+          <p:cNvPicPr>
+            <a:picLocks noChangeAspect="1"/>
+          </p:cNvPicPr>
+          <p:nvPr/>
+        </p:nvPicPr>
+        <p:blipFill>
+          <a:blip r:embed="rId3" cstate="email">
+            <a:extLst>
+              <a:ext uri="{28A0092B-C50C-407E-A947-70E740481C1C}">
+                <a14:useLocalDpi xmlns:a14="http://schemas.microsoft.com/office/drawing/2010/main"/>
+              </a:ext>
+            </a:extLst>
+          </a:blip>
+          <a:stretch>
+            <a:fillRect/>
+          </a:stretch>
+        </p:blipFill>
+        <p:spPr>
+          <a:xfrm>
+            <a:off x="2063173" y="5064775"/>
+            <a:ext cx="156226" cy="176255"/>
+          </a:xfrm>
+          <a:prstGeom prst="rect">
+            <a:avLst/>
+          </a:prstGeom>
+        </p:spPr>
+      </p:pic>
+      <p:sp>
+        <p:nvSpPr>
+          <p:cNvPr id="97" name="Rectangle 96"/>
+          <p:cNvSpPr/>
+          <p:nvPr/>
+        </p:nvSpPr>
+        <p:spPr>
+          <a:xfrm>
+            <a:off x="1977217" y="5787911"/>
+            <a:ext cx="370706" cy="119593"/>
+          </a:xfrm>
+          <a:prstGeom prst="rect">
+            <a:avLst/>
+          </a:prstGeom>
+          <a:solidFill>
+            <a:srgbClr val="BB277E"/>
+          </a:solidFill>
+          <a:ln>
+            <a:solidFill>
+              <a:srgbClr val="BB277E"/>
+            </a:solidFill>
+          </a:ln>
+        </p:spPr>
+        <p:style>
+          <a:lnRef idx="1">
+            <a:schemeClr val="accent1"/>
+          </a:lnRef>
+          <a:fillRef idx="3">
+            <a:schemeClr val="accent1"/>
+          </a:fillRef>
+          <a:effectRef idx="2">
+            <a:schemeClr val="accent1"/>
+          </a:effectRef>
+          <a:fontRef idx="minor">
+            <a:schemeClr val="lt1"/>
+          </a:fontRef>
+        </p:style>
+        <p:txBody>
+          <a:bodyPr rtlCol="0" anchor="ctr"/>
+          <a:lstStyle/>
+          <a:p>
+            <a:pPr algn="ctr"/>
+            <a:endParaRPr lang="en-US"/>
+          </a:p>
+        </p:txBody>
+      </p:sp>
+      <p:sp>
+        <p:nvSpPr>
+          <p:cNvPr id="100" name="Oval 99"/>
+          <p:cNvSpPr>
+            <a:spLocks noChangeAspect="1"/>
+          </p:cNvSpPr>
+          <p:nvPr/>
+        </p:nvSpPr>
+        <p:spPr>
+          <a:xfrm>
+            <a:off x="2644488" y="6751824"/>
+            <a:ext cx="91440" cy="91440"/>
+          </a:xfrm>
+          <a:prstGeom prst="ellipse">
+            <a:avLst/>
+          </a:prstGeom>
+          <a:solidFill>
+            <a:srgbClr val="FF0000"/>
+          </a:solidFill>
+          <a:ln>
+            <a:solidFill>
+              <a:schemeClr val="tx1"/>
+            </a:solidFill>
+          </a:ln>
+        </p:spPr>
+        <p:style>
+          <a:lnRef idx="1">
+            <a:schemeClr val="accent1"/>
+          </a:lnRef>
+          <a:fillRef idx="3">
+            <a:schemeClr val="accent1"/>
+          </a:fillRef>
+          <a:effectRef idx="2">
+            <a:schemeClr val="accent1"/>
+          </a:effectRef>
+          <a:fontRef idx="minor">
+            <a:schemeClr val="lt1"/>
+          </a:fontRef>
+        </p:style>
+        <p:txBody>
+          <a:bodyPr rtlCol="0" anchor="ctr"/>
+          <a:lstStyle/>
+          <a:p>
+            <a:pPr algn="ctr"/>
+            <a:endParaRPr lang="en-US"/>
+          </a:p>
+        </p:txBody>
+      </p:sp>
+      <p:sp>
+        <p:nvSpPr>
+          <p:cNvPr id="101" name="Oval 100"/>
+          <p:cNvSpPr/>
+          <p:nvPr/>
+        </p:nvSpPr>
+        <p:spPr>
+          <a:xfrm>
+            <a:off x="2001817" y="5566787"/>
+            <a:ext cx="341579" cy="108729"/>
+          </a:xfrm>
+          <a:prstGeom prst="ellipse">
+            <a:avLst/>
+          </a:prstGeom>
+          <a:noFill/>
+          <a:ln>
+            <a:solidFill>
+              <a:srgbClr val="FF0000"/>
+            </a:solidFill>
+          </a:ln>
+        </p:spPr>
+        <p:style>
+          <a:lnRef idx="1">
+            <a:schemeClr val="accent1"/>
+          </a:lnRef>
+          <a:fillRef idx="3">
+            <a:schemeClr val="accent1"/>
+          </a:fillRef>
+          <a:effectRef idx="2">
+            <a:schemeClr val="accent1"/>
+          </a:effectRef>
+          <a:fontRef idx="minor">
+            <a:schemeClr val="lt1"/>
+          </a:fontRef>
+        </p:style>
+        <p:txBody>
+          <a:bodyPr rtlCol="0" anchor="ctr"/>
+          <a:lstStyle/>
+          <a:p>
+            <a:pPr algn="ctr"/>
+            <a:endParaRPr lang="en-US"/>
+          </a:p>
+        </p:txBody>
+      </p:sp>
+      <p:pic>
+        <p:nvPicPr>
+          <p:cNvPr id="46" name="Picture 45" descr="Stright2.png"/>
+          <p:cNvPicPr>
+            <a:picLocks noChangeAspect="1"/>
+          </p:cNvPicPr>
+          <p:nvPr/>
+        </p:nvPicPr>
+        <p:blipFill>
+          <a:blip r:embed="rId4" cstate="email">
+            <a:extLst>
+              <a:ext uri="{28A0092B-C50C-407E-A947-70E740481C1C}">
+                <a14:useLocalDpi xmlns:a14="http://schemas.microsoft.com/office/drawing/2010/main"/>
+              </a:ext>
+            </a:extLst>
+          </a:blip>
+          <a:stretch>
+            <a:fillRect/>
+          </a:stretch>
+        </p:blipFill>
+        <p:spPr>
+          <a:xfrm>
+            <a:off x="-37289" y="105489"/>
+            <a:ext cx="1992462" cy="2465918"/>
+          </a:xfrm>
+          <a:prstGeom prst="rect">
+            <a:avLst/>
+          </a:prstGeom>
+        </p:spPr>
+      </p:pic>
+      <p:sp>
+        <p:nvSpPr>
+          <p:cNvPr id="59" name="TextBox 58"/>
+          <p:cNvSpPr txBox="1"/>
+          <p:nvPr/>
+        </p:nvSpPr>
+        <p:spPr>
+          <a:xfrm>
+            <a:off x="268818" y="2966232"/>
+            <a:ext cx="372534" cy="369332"/>
+          </a:xfrm>
+          <a:prstGeom prst="rect">
+            <a:avLst/>
+          </a:prstGeom>
+          <a:noFill/>
+        </p:spPr>
+        <p:txBody>
+          <a:bodyPr wrap="square" rtlCol="0">
+            <a:spAutoFit/>
+          </a:bodyPr>
+          <a:lstStyle/>
+          <a:p>
+            <a:r>
+              <a:rPr lang="en-US" dirty="0"/>
+              <a:t>c</a:t>
+            </a:r>
+            <a:r>
+              <a:rPr lang="en-US" dirty="0" smtClean="0"/>
+              <a:t>)</a:t>
+            </a:r>
+            <a:endParaRPr lang="en-US" dirty="0"/>
+          </a:p>
+        </p:txBody>
+      </p:sp>
+      <p:sp>
+        <p:nvSpPr>
+          <p:cNvPr id="60" name="TextBox 59"/>
+          <p:cNvSpPr txBox="1"/>
+          <p:nvPr/>
+        </p:nvSpPr>
+        <p:spPr>
+          <a:xfrm>
+            <a:off x="2924236" y="5264691"/>
+            <a:ext cx="355600" cy="523220"/>
+          </a:xfrm>
+          <a:prstGeom prst="rect">
+            <a:avLst/>
+          </a:prstGeom>
+          <a:noFill/>
+        </p:spPr>
+        <p:txBody>
+          <a:bodyPr wrap="square" rtlCol="0">
+            <a:spAutoFit/>
+          </a:bodyPr>
+          <a:lstStyle/>
+          <a:p>
+            <a:r>
+              <a:rPr lang="en-US" sz="2800" i="1" dirty="0" err="1" smtClean="0">
+                <a:latin typeface="Times New Roman"/>
+                <a:cs typeface="Times New Roman"/>
+              </a:rPr>
+              <a:t>θ</a:t>
+            </a:r>
+            <a:endParaRPr lang="en-US" sz="2800" i="1" dirty="0">
+              <a:latin typeface="Times New Roman"/>
+              <a:cs typeface="Times New Roman"/>
+            </a:endParaRPr>
+          </a:p>
+        </p:txBody>
+      </p:sp>
+      <p:sp>
+        <p:nvSpPr>
+          <p:cNvPr id="61" name="Up Arrow 60"/>
+          <p:cNvSpPr/>
+          <p:nvPr/>
+        </p:nvSpPr>
+        <p:spPr>
+          <a:xfrm>
+            <a:off x="4569884" y="4522473"/>
+            <a:ext cx="916516" cy="1839072"/>
+          </a:xfrm>
+          <a:prstGeom prst="upArrow">
+            <a:avLst/>
+          </a:prstGeom>
+          <a:gradFill>
+            <a:gsLst>
+              <a:gs pos="0">
+                <a:srgbClr val="1A56C1"/>
+              </a:gs>
+              <a:gs pos="100000">
+                <a:schemeClr val="accent1">
+                  <a:lumMod val="20000"/>
+                  <a:lumOff val="80000"/>
+                </a:schemeClr>
+              </a:gs>
+            </a:gsLst>
+          </a:gradFill>
+        </p:spPr>
+        <p:style>
+          <a:lnRef idx="1">
+            <a:schemeClr val="accent1"/>
+          </a:lnRef>
+          <a:fillRef idx="3">
+            <a:schemeClr val="accent1"/>
+          </a:fillRef>
+          <a:effectRef idx="2">
+            <a:schemeClr val="accent1"/>
+          </a:effectRef>
+          <a:fontRef idx="minor">
+            <a:schemeClr val="lt1"/>
+          </a:fontRef>
+        </p:style>
+        <p:txBody>
+          <a:bodyPr vert="vert" rtlCol="0" anchor="ctr"/>
+          <a:lstStyle/>
+          <a:p>
+            <a:pPr algn="ctr"/>
+            <a:r>
+              <a:rPr lang="en-US" dirty="0" smtClean="0">
+                <a:solidFill>
+                  <a:schemeClr val="tx1"/>
+                </a:solidFill>
+              </a:rPr>
+              <a:t>Light Direction</a:t>
+            </a:r>
+            <a:endParaRPr lang="en-US" dirty="0">
+              <a:solidFill>
+                <a:schemeClr val="tx1"/>
+              </a:solidFill>
+            </a:endParaRPr>
+          </a:p>
+        </p:txBody>
+      </p:sp>
+      <p:cxnSp>
+        <p:nvCxnSpPr>
+          <p:cNvPr id="62" name="Straight Arrow Connector 61"/>
+          <p:cNvCxnSpPr/>
+          <p:nvPr/>
+        </p:nvCxnSpPr>
+        <p:spPr>
+          <a:xfrm>
+            <a:off x="505885" y="1296652"/>
+            <a:ext cx="664633" cy="1285193"/>
+          </a:xfrm>
+          <a:prstGeom prst="straightConnector1">
+            <a:avLst/>
+          </a:prstGeom>
+          <a:ln>
+            <a:solidFill>
+              <a:schemeClr val="tx1"/>
+            </a:solidFill>
+            <a:headEnd type="stealth" w="med" len="lg"/>
+            <a:tailEnd type="stealth" w="med" len="lg"/>
+          </a:ln>
+          <a:effectLst/>
+        </p:spPr>
+        <p:style>
+          <a:lnRef idx="2">
+            <a:schemeClr val="accent1"/>
+          </a:lnRef>
+          <a:fillRef idx="0">
+            <a:schemeClr val="accent1"/>
+          </a:fillRef>
+          <a:effectRef idx="1">
+            <a:schemeClr val="accent1"/>
+          </a:effectRef>
+          <a:fontRef idx="minor">
+            <a:schemeClr val="tx1"/>
+          </a:fontRef>
+        </p:style>
+      </p:cxnSp>
+      <p:cxnSp>
+        <p:nvCxnSpPr>
+          <p:cNvPr id="63" name="Straight Arrow Connector 62"/>
+          <p:cNvCxnSpPr/>
+          <p:nvPr/>
+        </p:nvCxnSpPr>
+        <p:spPr>
+          <a:xfrm flipH="1">
+            <a:off x="376362" y="1271273"/>
+            <a:ext cx="160004" cy="91141"/>
+          </a:xfrm>
+          <a:prstGeom prst="straightConnector1">
+            <a:avLst/>
+          </a:prstGeom>
+          <a:ln w="9525" cmpd="sng">
+            <a:solidFill>
+              <a:schemeClr val="tx1"/>
+            </a:solidFill>
+            <a:headEnd type="none" w="med" len="lg"/>
+            <a:tailEnd type="none" w="med" len="lg"/>
+          </a:ln>
+          <a:effectLst/>
+        </p:spPr>
+        <p:style>
+          <a:lnRef idx="2">
+            <a:schemeClr val="accent1"/>
+          </a:lnRef>
+          <a:fillRef idx="0">
+            <a:schemeClr val="accent1"/>
+          </a:fillRef>
+          <a:effectRef idx="1">
+            <a:schemeClr val="accent1"/>
+          </a:effectRef>
+          <a:fontRef idx="minor">
+            <a:schemeClr val="tx1"/>
+          </a:fontRef>
+        </p:style>
+      </p:cxnSp>
+      <p:cxnSp>
+        <p:nvCxnSpPr>
+          <p:cNvPr id="64" name="Straight Arrow Connector 63"/>
+          <p:cNvCxnSpPr/>
+          <p:nvPr/>
+        </p:nvCxnSpPr>
+        <p:spPr>
+          <a:xfrm flipH="1">
+            <a:off x="1111683" y="2535548"/>
+            <a:ext cx="160004" cy="91141"/>
+          </a:xfrm>
+          <a:prstGeom prst="straightConnector1">
+            <a:avLst/>
+          </a:prstGeom>
+          <a:ln w="9525" cmpd="sng">
+            <a:solidFill>
+              <a:schemeClr val="tx1"/>
+            </a:solidFill>
+            <a:headEnd type="none" w="med" len="lg"/>
+            <a:tailEnd type="none" w="med" len="lg"/>
+          </a:ln>
+          <a:effectLst/>
+        </p:spPr>
+        <p:style>
+          <a:lnRef idx="2">
+            <a:schemeClr val="accent1"/>
+          </a:lnRef>
+          <a:fillRef idx="0">
+            <a:schemeClr val="accent1"/>
+          </a:fillRef>
+          <a:effectRef idx="1">
+            <a:schemeClr val="accent1"/>
+          </a:effectRef>
+          <a:fontRef idx="minor">
+            <a:schemeClr val="tx1"/>
+          </a:fontRef>
+        </p:style>
+      </p:cxnSp>
+      <p:sp>
+        <p:nvSpPr>
+          <p:cNvPr id="65" name="TextBox 64"/>
+          <p:cNvSpPr txBox="1"/>
+          <p:nvPr/>
+        </p:nvSpPr>
+        <p:spPr>
+          <a:xfrm>
+            <a:off x="505885" y="1724900"/>
+            <a:ext cx="372534" cy="369332"/>
+          </a:xfrm>
+          <a:prstGeom prst="rect">
+            <a:avLst/>
+          </a:prstGeom>
+          <a:noFill/>
+        </p:spPr>
+        <p:txBody>
+          <a:bodyPr wrap="square" rtlCol="0">
+            <a:spAutoFit/>
+          </a:bodyPr>
+          <a:lstStyle/>
+          <a:p>
+            <a:r>
+              <a:rPr lang="en-US" i="1" dirty="0" smtClean="0">
+                <a:latin typeface="Times New Roman"/>
+                <a:cs typeface="Times New Roman"/>
+              </a:rPr>
+              <a:t>r</a:t>
+            </a:r>
+            <a:endParaRPr lang="en-US" i="1" dirty="0">
+              <a:latin typeface="Times New Roman"/>
+              <a:cs typeface="Times New Roman"/>
+            </a:endParaRPr>
+          </a:p>
+        </p:txBody>
+      </p:sp>
+      <p:sp>
+        <p:nvSpPr>
+          <p:cNvPr id="66" name="Arc 65"/>
+          <p:cNvSpPr/>
+          <p:nvPr/>
+        </p:nvSpPr>
+        <p:spPr>
+          <a:xfrm>
+            <a:off x="1170518" y="5173481"/>
+            <a:ext cx="3000223" cy="3000223"/>
+          </a:xfrm>
+          <a:prstGeom prst="arc">
+            <a:avLst>
+              <a:gd name="adj1" fmla="val 16403490"/>
+              <a:gd name="adj2" fmla="val 18352254"/>
+            </a:avLst>
+          </a:prstGeom>
+          <a:ln w="50800">
+            <a:solidFill>
+              <a:schemeClr val="tx1"/>
+            </a:solidFill>
+            <a:headEnd type="stealth" w="med" len="lg"/>
+            <a:tailEnd type="none" w="med" len="lg"/>
+          </a:ln>
+          <a:effectLst/>
+        </p:spPr>
+        <p:style>
+          <a:lnRef idx="2">
+            <a:schemeClr val="accent1"/>
+          </a:lnRef>
+          <a:fillRef idx="0">
+            <a:schemeClr val="accent1"/>
+          </a:fillRef>
+          <a:effectRef idx="1">
+            <a:schemeClr val="accent1"/>
+          </a:effectRef>
+          <a:fontRef idx="minor">
+            <a:schemeClr val="tx1"/>
+          </a:fontRef>
+        </p:style>
+        <p:txBody>
+          <a:bodyPr rtlCol="0" anchor="ctr"/>
+          <a:lstStyle/>
+          <a:p>
+            <a:pPr algn="ctr"/>
+            <a:endParaRPr lang="en-US"/>
+          </a:p>
+        </p:txBody>
+      </p:sp>
+      <p:cxnSp>
+        <p:nvCxnSpPr>
+          <p:cNvPr id="67" name="Straight Arrow Connector 66"/>
+          <p:cNvCxnSpPr/>
+          <p:nvPr/>
+        </p:nvCxnSpPr>
+        <p:spPr>
+          <a:xfrm flipH="1">
+            <a:off x="895607" y="395378"/>
+            <a:ext cx="160004" cy="119364"/>
+          </a:xfrm>
+          <a:prstGeom prst="straightConnector1">
+            <a:avLst/>
+          </a:prstGeom>
+          <a:ln w="19050">
+            <a:solidFill>
+              <a:schemeClr val="tx1"/>
+            </a:solidFill>
+            <a:headEnd type="none" w="med" len="lg"/>
+            <a:tailEnd type="stealth" w="med" len="lg"/>
+          </a:ln>
+          <a:effectLst/>
+        </p:spPr>
+        <p:style>
+          <a:lnRef idx="2">
+            <a:schemeClr val="accent1"/>
+          </a:lnRef>
+          <a:fillRef idx="0">
+            <a:schemeClr val="accent1"/>
+          </a:fillRef>
+          <a:effectRef idx="1">
+            <a:schemeClr val="accent1"/>
+          </a:effectRef>
+          <a:fontRef idx="minor">
+            <a:schemeClr val="tx1"/>
+          </a:fontRef>
+        </p:style>
+      </p:cxnSp>
+      <p:sp>
+        <p:nvSpPr>
+          <p:cNvPr id="68" name="TextBox 67"/>
+          <p:cNvSpPr txBox="1"/>
+          <p:nvPr/>
+        </p:nvSpPr>
+        <p:spPr>
+          <a:xfrm>
+            <a:off x="1042246" y="145410"/>
+            <a:ext cx="905933" cy="369332"/>
+          </a:xfrm>
+          <a:prstGeom prst="rect">
+            <a:avLst/>
+          </a:prstGeom>
+          <a:noFill/>
+        </p:spPr>
+        <p:txBody>
+          <a:bodyPr wrap="square" rtlCol="0">
+            <a:spAutoFit/>
+          </a:bodyPr>
+          <a:lstStyle/>
+          <a:p>
+            <a:r>
+              <a:rPr lang="en-US" dirty="0" smtClean="0"/>
+              <a:t>robots</a:t>
+            </a:r>
+            <a:endParaRPr lang="en-US" dirty="0"/>
+          </a:p>
+        </p:txBody>
+      </p:sp>
+      <p:sp>
+        <p:nvSpPr>
+          <p:cNvPr id="70" name="TextBox 69"/>
+          <p:cNvSpPr txBox="1"/>
+          <p:nvPr/>
+        </p:nvSpPr>
+        <p:spPr>
+          <a:xfrm>
+            <a:off x="1313466" y="1540234"/>
+            <a:ext cx="905933" cy="369332"/>
+          </a:xfrm>
+          <a:prstGeom prst="rect">
+            <a:avLst/>
+          </a:prstGeom>
+          <a:noFill/>
+        </p:spPr>
+        <p:txBody>
+          <a:bodyPr wrap="square" rtlCol="0">
+            <a:spAutoFit/>
+          </a:bodyPr>
+          <a:lstStyle/>
+          <a:p>
+            <a:r>
+              <a:rPr lang="en-US" dirty="0" smtClean="0"/>
+              <a:t>object</a:t>
+            </a:r>
+            <a:endParaRPr lang="en-US" dirty="0"/>
+          </a:p>
+        </p:txBody>
+      </p:sp>
+      <p:cxnSp>
+        <p:nvCxnSpPr>
+          <p:cNvPr id="71" name="Straight Arrow Connector 70"/>
+          <p:cNvCxnSpPr>
+            <a:stCxn id="70" idx="1"/>
+          </p:cNvCxnSpPr>
+          <p:nvPr/>
+        </p:nvCxnSpPr>
+        <p:spPr>
+          <a:xfrm flipH="1">
+            <a:off x="1111683" y="1724900"/>
+            <a:ext cx="201783" cy="369332"/>
+          </a:xfrm>
+          <a:prstGeom prst="straightConnector1">
+            <a:avLst/>
+          </a:prstGeom>
+          <a:ln w="19050">
+            <a:solidFill>
+              <a:schemeClr val="tx1"/>
+            </a:solidFill>
+            <a:headEnd type="none" w="med" len="lg"/>
+            <a:tailEnd type="stealth" w="med" len="lg"/>
+          </a:ln>
+          <a:effectLst/>
+        </p:spPr>
+        <p:style>
+          <a:lnRef idx="2">
+            <a:schemeClr val="accent1"/>
+          </a:lnRef>
+          <a:fillRef idx="0">
+            <a:schemeClr val="accent1"/>
+          </a:fillRef>
+          <a:effectRef idx="1">
+            <a:schemeClr val="accent1"/>
+          </a:effectRef>
+          <a:fontRef idx="minor">
+            <a:schemeClr val="tx1"/>
+          </a:fontRef>
+        </p:style>
+      </p:cxnSp>
+      <p:sp>
+        <p:nvSpPr>
+          <p:cNvPr id="74" name="TextBox 73"/>
+          <p:cNvSpPr txBox="1"/>
+          <p:nvPr/>
+        </p:nvSpPr>
+        <p:spPr>
+          <a:xfrm>
+            <a:off x="1286189" y="1932780"/>
+            <a:ext cx="1553968" cy="369332"/>
+          </a:xfrm>
+          <a:prstGeom prst="rect">
+            <a:avLst/>
+          </a:prstGeom>
+          <a:noFill/>
+        </p:spPr>
+        <p:txBody>
+          <a:bodyPr wrap="square" rtlCol="0">
+            <a:spAutoFit/>
+          </a:bodyPr>
+          <a:lstStyle/>
+          <a:p>
+            <a:r>
+              <a:rPr lang="en-US" dirty="0" smtClean="0"/>
+              <a:t>pivot</a:t>
+            </a:r>
+            <a:endParaRPr lang="en-US" dirty="0"/>
+          </a:p>
+        </p:txBody>
+      </p:sp>
+      <p:sp>
+        <p:nvSpPr>
+          <p:cNvPr id="78" name="TextBox 77"/>
+          <p:cNvSpPr txBox="1"/>
+          <p:nvPr/>
+        </p:nvSpPr>
+        <p:spPr>
+          <a:xfrm>
+            <a:off x="1463940" y="795134"/>
+            <a:ext cx="1198466" cy="646331"/>
+          </a:xfrm>
+          <a:prstGeom prst="rect">
+            <a:avLst/>
+          </a:prstGeom>
+          <a:noFill/>
+        </p:spPr>
+        <p:txBody>
+          <a:bodyPr wrap="square" rtlCol="0">
+            <a:spAutoFit/>
+          </a:bodyPr>
+          <a:lstStyle/>
+          <a:p>
+            <a:r>
+              <a:rPr lang="en-US" dirty="0" smtClean="0"/>
+              <a:t>mean</a:t>
+            </a:r>
+          </a:p>
+          <a:p>
+            <a:r>
+              <a:rPr lang="en-US" dirty="0" smtClean="0"/>
+              <a:t>position</a:t>
+            </a:r>
+            <a:endParaRPr lang="en-US" dirty="0"/>
+          </a:p>
+        </p:txBody>
+      </p:sp>
+      <p:cxnSp>
+        <p:nvCxnSpPr>
+          <p:cNvPr id="79" name="Straight Arrow Connector 78"/>
+          <p:cNvCxnSpPr/>
+          <p:nvPr/>
+        </p:nvCxnSpPr>
+        <p:spPr>
+          <a:xfrm flipH="1">
+            <a:off x="1042246" y="1137539"/>
+            <a:ext cx="421694" cy="0"/>
+          </a:xfrm>
+          <a:prstGeom prst="straightConnector1">
+            <a:avLst/>
+          </a:prstGeom>
+          <a:ln w="19050">
+            <a:solidFill>
+              <a:schemeClr val="tx1"/>
+            </a:solidFill>
+            <a:headEnd type="none" w="med" len="lg"/>
+            <a:tailEnd type="stealth" w="med" len="lg"/>
+          </a:ln>
+          <a:effectLst/>
+        </p:spPr>
+        <p:style>
+          <a:lnRef idx="2">
+            <a:schemeClr val="accent1"/>
+          </a:lnRef>
+          <a:fillRef idx="0">
+            <a:schemeClr val="accent1"/>
+          </a:fillRef>
+          <a:effectRef idx="1">
+            <a:schemeClr val="accent1"/>
+          </a:effectRef>
+          <a:fontRef idx="minor">
+            <a:schemeClr val="tx1"/>
+          </a:fontRef>
+        </p:style>
+      </p:cxnSp>
+      <p:cxnSp>
+        <p:nvCxnSpPr>
+          <p:cNvPr id="88" name="Straight Arrow Connector 87"/>
+          <p:cNvCxnSpPr/>
+          <p:nvPr/>
+        </p:nvCxnSpPr>
+        <p:spPr>
+          <a:xfrm flipH="1">
+            <a:off x="1370268" y="2302112"/>
+            <a:ext cx="257470" cy="145524"/>
+          </a:xfrm>
+          <a:prstGeom prst="straightConnector1">
+            <a:avLst/>
+          </a:prstGeom>
+          <a:ln w="19050">
+            <a:solidFill>
+              <a:schemeClr val="tx1"/>
+            </a:solidFill>
+            <a:headEnd type="none" w="med" len="lg"/>
+            <a:tailEnd type="stealth" w="med" len="lg"/>
+          </a:ln>
+          <a:effectLst/>
+        </p:spPr>
+        <p:style>
+          <a:lnRef idx="2">
+            <a:schemeClr val="accent1"/>
+          </a:lnRef>
+          <a:fillRef idx="0">
+            <a:schemeClr val="accent1"/>
+          </a:fillRef>
+          <a:effectRef idx="1">
+            <a:schemeClr val="accent1"/>
+          </a:effectRef>
+          <a:fontRef idx="minor">
+            <a:schemeClr val="tx1"/>
+          </a:fontRef>
+        </p:style>
+      </p:cxnSp>
+      <p:sp>
+        <p:nvSpPr>
+          <p:cNvPr id="105" name="Rectangle 104"/>
+          <p:cNvSpPr/>
+          <p:nvPr/>
+        </p:nvSpPr>
+        <p:spPr>
+          <a:xfrm>
+            <a:off x="1955173" y="6030854"/>
+            <a:ext cx="388223" cy="124911"/>
+          </a:xfrm>
+          <a:prstGeom prst="rect">
+            <a:avLst/>
+          </a:prstGeom>
+          <a:noFill/>
+          <a:ln w="25400">
+            <a:solidFill>
+              <a:srgbClr val="008000"/>
+            </a:solidFill>
+            <a:prstDash val="sysDash"/>
+          </a:ln>
+        </p:spPr>
+        <p:style>
+          <a:lnRef idx="1">
+            <a:schemeClr val="accent1"/>
+          </a:lnRef>
+          <a:fillRef idx="3">
+            <a:schemeClr val="accent1"/>
+          </a:fillRef>
+          <a:effectRef idx="2">
+            <a:schemeClr val="accent1"/>
+          </a:effectRef>
+          <a:fontRef idx="minor">
+            <a:schemeClr val="lt1"/>
+          </a:fontRef>
+        </p:style>
+        <p:txBody>
+          <a:bodyPr rtlCol="0" anchor="ctr"/>
+          <a:lstStyle/>
+          <a:p>
+            <a:pPr algn="ctr"/>
+            <a:endParaRPr lang="en-US"/>
+          </a:p>
+        </p:txBody>
+      </p:sp>
+      <p:sp>
+        <p:nvSpPr>
+          <p:cNvPr id="107" name="Oval 106"/>
+          <p:cNvSpPr>
+            <a:spLocks noChangeAspect="1"/>
+          </p:cNvSpPr>
+          <p:nvPr/>
+        </p:nvSpPr>
+        <p:spPr>
+          <a:xfrm>
+            <a:off x="2127959" y="6299819"/>
+            <a:ext cx="91440" cy="91440"/>
+          </a:xfrm>
+          <a:prstGeom prst="ellipse">
+            <a:avLst/>
+          </a:prstGeom>
+          <a:solidFill>
+            <a:srgbClr val="FF0000"/>
+          </a:solidFill>
+          <a:ln>
+            <a:solidFill>
+              <a:schemeClr val="tx1"/>
+            </a:solidFill>
+          </a:ln>
+        </p:spPr>
+        <p:style>
+          <a:lnRef idx="1">
+            <a:schemeClr val="accent1"/>
+          </a:lnRef>
+          <a:fillRef idx="3">
+            <a:schemeClr val="accent1"/>
+          </a:fillRef>
+          <a:effectRef idx="2">
+            <a:schemeClr val="accent1"/>
+          </a:effectRef>
+          <a:fontRef idx="minor">
+            <a:schemeClr val="lt1"/>
+          </a:fontRef>
+        </p:style>
+        <p:txBody>
+          <a:bodyPr rtlCol="0" anchor="ctr"/>
+          <a:lstStyle/>
+          <a:p>
+            <a:pPr algn="ctr"/>
+            <a:endParaRPr lang="en-US"/>
+          </a:p>
+        </p:txBody>
+      </p:sp>
+    </p:spTree>
+    <p:extLst>
+      <p:ext uri="{BB962C8B-B14F-4D97-AF65-F5344CB8AC3E}">
+        <p14:creationId xmlns:p14="http://schemas.microsoft.com/office/powerpoint/2010/main" val="3770085343"/>
+      </p:ext>
+    </p:extLst>
+  </p:cSld>
+  <p:clrMapOvr>
+    <a:masterClrMapping/>
+  </p:clrMapOvr>
+  <p:timing>
+    <p:tnLst>
+      <p:par>
+        <p:cTn xmlns:p14="http://schemas.microsoft.com/office/powerpoint/2010/main" id="1" dur="indefinite" restart="never" nodeType="tmRoot"/>
+      </p:par>
+    </p:tnLst>
+  </p:timing>
 </p:sld>
 </file>
 
